--- a/Presentation Seminar.pptx
+++ b/Presentation Seminar.pptx
@@ -15,7 +15,18 @@
     <p:sldId id="267" r:id="rId9"/>
     <p:sldId id="266" r:id="rId10"/>
     <p:sldId id="265" r:id="rId11"/>
-    <p:sldId id="268" r:id="rId12"/>
+    <p:sldId id="270" r:id="rId12"/>
+    <p:sldId id="268" r:id="rId13"/>
+    <p:sldId id="271" r:id="rId14"/>
+    <p:sldId id="272" r:id="rId15"/>
+    <p:sldId id="273" r:id="rId16"/>
+    <p:sldId id="274" r:id="rId17"/>
+    <p:sldId id="275" r:id="rId18"/>
+    <p:sldId id="276" r:id="rId19"/>
+    <p:sldId id="277" r:id="rId20"/>
+    <p:sldId id="278" r:id="rId21"/>
+    <p:sldId id="279" r:id="rId22"/>
+    <p:sldId id="280" r:id="rId23"/>
   </p:sldIdLst>
   <p:sldSz cx="12192000" cy="6858000"/>
   <p:notesSz cx="6858000" cy="9144000"/>
@@ -115,6 +126,11 @@
       </a:defRPr>
     </a:lvl9pPr>
   </p:defaultTextStyle>
+  <p:extLst>
+    <p:ext uri="{EFAFB233-063F-42B5-8137-9DF3F51BA10A}">
+      <p15:sldGuideLst xmlns:p15="http://schemas.microsoft.com/office/powerpoint/2012/main"/>
+    </p:ext>
+  </p:extLst>
 </p:presentation>
 </file>
 
@@ -267,7 +283,7 @@
           <a:p>
             <a:fld id="{7DA0F482-B402-460E-9FF2-DAB7BD8BAE87}" type="datetimeFigureOut">
               <a:rPr lang="en-IN" smtClean="0"/>
-              <a:t>05-03-2025</a:t>
+              <a:t>06-03-2025</a:t>
             </a:fld>
             <a:endParaRPr lang="en-IN"/>
           </a:p>
@@ -467,7 +483,7 @@
           <a:p>
             <a:fld id="{7DA0F482-B402-460E-9FF2-DAB7BD8BAE87}" type="datetimeFigureOut">
               <a:rPr lang="en-IN" smtClean="0"/>
-              <a:t>05-03-2025</a:t>
+              <a:t>06-03-2025</a:t>
             </a:fld>
             <a:endParaRPr lang="en-IN"/>
           </a:p>
@@ -677,7 +693,7 @@
           <a:p>
             <a:fld id="{7DA0F482-B402-460E-9FF2-DAB7BD8BAE87}" type="datetimeFigureOut">
               <a:rPr lang="en-IN" smtClean="0"/>
-              <a:t>05-03-2025</a:t>
+              <a:t>06-03-2025</a:t>
             </a:fld>
             <a:endParaRPr lang="en-IN"/>
           </a:p>
@@ -877,7 +893,7 @@
           <a:p>
             <a:fld id="{7DA0F482-B402-460E-9FF2-DAB7BD8BAE87}" type="datetimeFigureOut">
               <a:rPr lang="en-IN" smtClean="0"/>
-              <a:t>05-03-2025</a:t>
+              <a:t>06-03-2025</a:t>
             </a:fld>
             <a:endParaRPr lang="en-IN"/>
           </a:p>
@@ -1153,7 +1169,7 @@
           <a:p>
             <a:fld id="{7DA0F482-B402-460E-9FF2-DAB7BD8BAE87}" type="datetimeFigureOut">
               <a:rPr lang="en-IN" smtClean="0"/>
-              <a:t>05-03-2025</a:t>
+              <a:t>06-03-2025</a:t>
             </a:fld>
             <a:endParaRPr lang="en-IN"/>
           </a:p>
@@ -1421,7 +1437,7 @@
           <a:p>
             <a:fld id="{7DA0F482-B402-460E-9FF2-DAB7BD8BAE87}" type="datetimeFigureOut">
               <a:rPr lang="en-IN" smtClean="0"/>
-              <a:t>05-03-2025</a:t>
+              <a:t>06-03-2025</a:t>
             </a:fld>
             <a:endParaRPr lang="en-IN"/>
           </a:p>
@@ -1836,7 +1852,7 @@
           <a:p>
             <a:fld id="{7DA0F482-B402-460E-9FF2-DAB7BD8BAE87}" type="datetimeFigureOut">
               <a:rPr lang="en-IN" smtClean="0"/>
-              <a:t>05-03-2025</a:t>
+              <a:t>06-03-2025</a:t>
             </a:fld>
             <a:endParaRPr lang="en-IN"/>
           </a:p>
@@ -1978,7 +1994,7 @@
           <a:p>
             <a:fld id="{7DA0F482-B402-460E-9FF2-DAB7BD8BAE87}" type="datetimeFigureOut">
               <a:rPr lang="en-IN" smtClean="0"/>
-              <a:t>05-03-2025</a:t>
+              <a:t>06-03-2025</a:t>
             </a:fld>
             <a:endParaRPr lang="en-IN"/>
           </a:p>
@@ -2091,7 +2107,7 @@
           <a:p>
             <a:fld id="{7DA0F482-B402-460E-9FF2-DAB7BD8BAE87}" type="datetimeFigureOut">
               <a:rPr lang="en-IN" smtClean="0"/>
-              <a:t>05-03-2025</a:t>
+              <a:t>06-03-2025</a:t>
             </a:fld>
             <a:endParaRPr lang="en-IN"/>
           </a:p>
@@ -2404,7 +2420,7 @@
           <a:p>
             <a:fld id="{7DA0F482-B402-460E-9FF2-DAB7BD8BAE87}" type="datetimeFigureOut">
               <a:rPr lang="en-IN" smtClean="0"/>
-              <a:t>05-03-2025</a:t>
+              <a:t>06-03-2025</a:t>
             </a:fld>
             <a:endParaRPr lang="en-IN"/>
           </a:p>
@@ -2693,7 +2709,7 @@
           <a:p>
             <a:fld id="{7DA0F482-B402-460E-9FF2-DAB7BD8BAE87}" type="datetimeFigureOut">
               <a:rPr lang="en-IN" smtClean="0"/>
-              <a:t>05-03-2025</a:t>
+              <a:t>06-03-2025</a:t>
             </a:fld>
             <a:endParaRPr lang="en-IN"/>
           </a:p>
@@ -2936,7 +2952,7 @@
           <a:p>
             <a:fld id="{7DA0F482-B402-460E-9FF2-DAB7BD8BAE87}" type="datetimeFigureOut">
               <a:rPr lang="en-IN" smtClean="0"/>
-              <a:t>05-03-2025</a:t>
+              <a:t>06-03-2025</a:t>
             </a:fld>
             <a:endParaRPr lang="en-IN"/>
           </a:p>
@@ -3643,6 +3659,125 @@
       </p:grpSpPr>
       <p:pic>
         <p:nvPicPr>
+          <p:cNvPr id="3" name="Picture 2">
+            <a:extLst>
+              <a:ext uri="{FF2B5EF4-FFF2-40B4-BE49-F238E27FC236}">
+                <a16:creationId xmlns:a16="http://schemas.microsoft.com/office/drawing/2014/main" id="{149136EA-2AEC-D586-35FF-05DECA30032A}"/>
+              </a:ext>
+            </a:extLst>
+          </p:cNvPr>
+          <p:cNvPicPr>
+            <a:picLocks noChangeAspect="1"/>
+          </p:cNvPicPr>
+          <p:nvPr/>
+        </p:nvPicPr>
+        <p:blipFill>
+          <a:blip r:embed="rId2">
+            <a:extLst>
+              <a:ext uri="{28A0092B-C50C-407E-A947-70E740481C1C}">
+                <a14:useLocalDpi xmlns:a14="http://schemas.microsoft.com/office/drawing/2010/main" val="0"/>
+              </a:ext>
+            </a:extLst>
+          </a:blip>
+          <a:stretch>
+            <a:fillRect/>
+          </a:stretch>
+        </p:blipFill>
+        <p:spPr>
+          <a:xfrm>
+            <a:off x="0" y="0"/>
+            <a:ext cx="12192000" cy="6858000"/>
+          </a:xfrm>
+          <a:prstGeom prst="rect">
+            <a:avLst/>
+          </a:prstGeom>
+        </p:spPr>
+      </p:pic>
+      <p:sp>
+        <p:nvSpPr>
+          <p:cNvPr id="5" name="TextBox 4">
+            <a:extLst>
+              <a:ext uri="{FF2B5EF4-FFF2-40B4-BE49-F238E27FC236}">
+                <a16:creationId xmlns:a16="http://schemas.microsoft.com/office/drawing/2014/main" id="{A166C1AA-240B-87BD-4207-60905E91A831}"/>
+              </a:ext>
+            </a:extLst>
+          </p:cNvPr>
+          <p:cNvSpPr txBox="1"/>
+          <p:nvPr/>
+        </p:nvSpPr>
+        <p:spPr>
+          <a:xfrm>
+            <a:off x="2418735" y="2792361"/>
+            <a:ext cx="9379974" cy="923330"/>
+          </a:xfrm>
+          <a:prstGeom prst="rect">
+            <a:avLst/>
+          </a:prstGeom>
+          <a:noFill/>
+        </p:spPr>
+        <p:txBody>
+          <a:bodyPr wrap="square" rtlCol="0">
+            <a:spAutoFit/>
+          </a:bodyPr>
+          <a:lstStyle/>
+          <a:p>
+            <a:r>
+              <a:rPr lang="en-IN" sz="5400" b="1" dirty="0">
+                <a:solidFill>
+                  <a:schemeClr val="bg1"/>
+                </a:solidFill>
+                <a:effectLst/>
+                <a:highlight>
+                  <a:srgbClr val="FFFF00"/>
+                </a:highlight>
+                <a:latin typeface="Times New Roman" panose="02020603050405020304" pitchFamily="18" charset="0"/>
+                <a:ea typeface="Calibri" panose="020F0502020204030204" pitchFamily="34" charset="0"/>
+              </a:rPr>
+              <a:t>Features of Blockchain</a:t>
+            </a:r>
+            <a:endParaRPr lang="en-IN" sz="5400" dirty="0">
+              <a:solidFill>
+                <a:schemeClr val="bg1"/>
+              </a:solidFill>
+              <a:highlight>
+                <a:srgbClr val="FFFF00"/>
+              </a:highlight>
+            </a:endParaRPr>
+          </a:p>
+        </p:txBody>
+      </p:sp>
+    </p:spTree>
+    <p:extLst>
+      <p:ext uri="{BB962C8B-B14F-4D97-AF65-F5344CB8AC3E}">
+        <p14:creationId xmlns:p14="http://schemas.microsoft.com/office/powerpoint/2010/main" val="3970130664"/>
+      </p:ext>
+    </p:extLst>
+  </p:cSld>
+  <p:clrMapOvr>
+    <a:masterClrMapping/>
+  </p:clrMapOvr>
+</p:sld>
+</file>
+
+<file path=ppt/slides/slide12.xml><?xml version="1.0" encoding="utf-8"?>
+<p:sld xmlns:a="http://schemas.openxmlformats.org/drawingml/2006/main" xmlns:r="http://schemas.openxmlformats.org/officeDocument/2006/relationships" xmlns:p="http://schemas.openxmlformats.org/presentationml/2006/main">
+  <p:cSld>
+    <p:spTree>
+      <p:nvGrpSpPr>
+        <p:cNvPr id="1" name=""/>
+        <p:cNvGrpSpPr/>
+        <p:nvPr/>
+      </p:nvGrpSpPr>
+      <p:grpSpPr>
+        <a:xfrm>
+          <a:off x="0" y="0"/>
+          <a:ext cx="0" cy="0"/>
+          <a:chOff x="0" y="0"/>
+          <a:chExt cx="0" cy="0"/>
+        </a:xfrm>
+      </p:grpSpPr>
+      <p:pic>
+        <p:nvPicPr>
           <p:cNvPr id="3" name="Picture 2" descr="A diagram of blockchain technology&#10;&#10;AI-generated content may be incorrect.">
             <a:extLst>
               <a:ext uri="{FF2B5EF4-FFF2-40B4-BE49-F238E27FC236}">
@@ -3681,6 +3816,1009 @@
     <p:extLst>
       <p:ext uri="{BB962C8B-B14F-4D97-AF65-F5344CB8AC3E}">
         <p14:creationId xmlns:p14="http://schemas.microsoft.com/office/powerpoint/2010/main" val="1621290644"/>
+      </p:ext>
+    </p:extLst>
+  </p:cSld>
+  <p:clrMapOvr>
+    <a:masterClrMapping/>
+  </p:clrMapOvr>
+</p:sld>
+</file>
+
+<file path=ppt/slides/slide13.xml><?xml version="1.0" encoding="utf-8"?>
+<p:sld xmlns:a="http://schemas.openxmlformats.org/drawingml/2006/main" xmlns:r="http://schemas.openxmlformats.org/officeDocument/2006/relationships" xmlns:p="http://schemas.openxmlformats.org/presentationml/2006/main">
+  <p:cSld>
+    <p:spTree>
+      <p:nvGrpSpPr>
+        <p:cNvPr id="1" name=""/>
+        <p:cNvGrpSpPr/>
+        <p:nvPr/>
+      </p:nvGrpSpPr>
+      <p:grpSpPr>
+        <a:xfrm>
+          <a:off x="0" y="0"/>
+          <a:ext cx="0" cy="0"/>
+          <a:chOff x="0" y="0"/>
+          <a:chExt cx="0" cy="0"/>
+        </a:xfrm>
+      </p:grpSpPr>
+      <p:pic>
+        <p:nvPicPr>
+          <p:cNvPr id="3" name="Picture 2">
+            <a:extLst>
+              <a:ext uri="{FF2B5EF4-FFF2-40B4-BE49-F238E27FC236}">
+                <a16:creationId xmlns:a16="http://schemas.microsoft.com/office/drawing/2014/main" id="{C5E8FDD4-23EC-A111-DD66-7073EA18E579}"/>
+              </a:ext>
+            </a:extLst>
+          </p:cNvPr>
+          <p:cNvPicPr>
+            <a:picLocks noChangeAspect="1"/>
+          </p:cNvPicPr>
+          <p:nvPr/>
+        </p:nvPicPr>
+        <p:blipFill>
+          <a:blip r:embed="rId2">
+            <a:extLst>
+              <a:ext uri="{28A0092B-C50C-407E-A947-70E740481C1C}">
+                <a14:useLocalDpi xmlns:a14="http://schemas.microsoft.com/office/drawing/2010/main" val="0"/>
+              </a:ext>
+            </a:extLst>
+          </a:blip>
+          <a:stretch>
+            <a:fillRect/>
+          </a:stretch>
+        </p:blipFill>
+        <p:spPr>
+          <a:xfrm>
+            <a:off x="0" y="0"/>
+            <a:ext cx="12192000" cy="6857999"/>
+          </a:xfrm>
+          <a:prstGeom prst="rect">
+            <a:avLst/>
+          </a:prstGeom>
+        </p:spPr>
+      </p:pic>
+      <p:sp>
+        <p:nvSpPr>
+          <p:cNvPr id="4" name="TextBox 3">
+            <a:extLst>
+              <a:ext uri="{FF2B5EF4-FFF2-40B4-BE49-F238E27FC236}">
+                <a16:creationId xmlns:a16="http://schemas.microsoft.com/office/drawing/2014/main" id="{3F3D430F-9ECA-5F2B-2C59-43FEFB3511AF}"/>
+              </a:ext>
+            </a:extLst>
+          </p:cNvPr>
+          <p:cNvSpPr txBox="1"/>
+          <p:nvPr/>
+        </p:nvSpPr>
+        <p:spPr>
+          <a:xfrm>
+            <a:off x="530943" y="1305340"/>
+            <a:ext cx="5329084" cy="4247317"/>
+          </a:xfrm>
+          <a:prstGeom prst="rect">
+            <a:avLst/>
+          </a:prstGeom>
+          <a:noFill/>
+        </p:spPr>
+        <p:txBody>
+          <a:bodyPr wrap="square" rtlCol="0">
+            <a:spAutoFit/>
+          </a:bodyPr>
+          <a:lstStyle/>
+          <a:p>
+            <a:r>
+              <a:rPr lang="en-IN" sz="2800" b="1" kern="100" dirty="0">
+                <a:effectLst/>
+                <a:latin typeface="Times New Roman" panose="02020603050405020304" pitchFamily="18" charset="0"/>
+                <a:ea typeface="Calibri" panose="020F0502020204030204" pitchFamily="34" charset="0"/>
+                <a:cs typeface="Times New Roman" panose="02020603050405020304" pitchFamily="18" charset="0"/>
+              </a:rPr>
+              <a:t>Decentralization</a:t>
+            </a:r>
+            <a:r>
+              <a:rPr lang="en-IN" sz="2800" kern="100" dirty="0">
+                <a:effectLst/>
+                <a:latin typeface="Times New Roman" panose="02020603050405020304" pitchFamily="18" charset="0"/>
+                <a:ea typeface="Calibri" panose="020F0502020204030204" pitchFamily="34" charset="0"/>
+                <a:cs typeface="Times New Roman" panose="02020603050405020304" pitchFamily="18" charset="0"/>
+              </a:rPr>
+              <a:t>:</a:t>
+            </a:r>
+          </a:p>
+          <a:p>
+            <a:r>
+              <a:rPr lang="en-IN" sz="2800" kern="100" dirty="0">
+                <a:effectLst/>
+                <a:latin typeface="Times New Roman" panose="02020603050405020304" pitchFamily="18" charset="0"/>
+                <a:ea typeface="Calibri" panose="020F0502020204030204" pitchFamily="34" charset="0"/>
+                <a:cs typeface="Times New Roman" panose="02020603050405020304" pitchFamily="18" charset="0"/>
+              </a:rPr>
+              <a:t> Unlike traditional centralized systems, blockchain operates on a decentralized network of nodes, </a:t>
+            </a:r>
+          </a:p>
+          <a:p>
+            <a:r>
+              <a:rPr lang="en-IN" sz="2800" kern="100" dirty="0">
+                <a:effectLst/>
+                <a:latin typeface="Times New Roman" panose="02020603050405020304" pitchFamily="18" charset="0"/>
+                <a:ea typeface="Calibri" panose="020F0502020204030204" pitchFamily="34" charset="0"/>
+                <a:cs typeface="Times New Roman" panose="02020603050405020304" pitchFamily="18" charset="0"/>
+              </a:rPr>
+              <a:t>eliminating the need for a central authority. This structure enhances system reliability and </a:t>
+            </a:r>
+          </a:p>
+          <a:p>
+            <a:r>
+              <a:rPr lang="en-IN" sz="2800" kern="100" dirty="0">
+                <a:effectLst/>
+                <a:latin typeface="Times New Roman" panose="02020603050405020304" pitchFamily="18" charset="0"/>
+                <a:ea typeface="Calibri" panose="020F0502020204030204" pitchFamily="34" charset="0"/>
+                <a:cs typeface="Times New Roman" panose="02020603050405020304" pitchFamily="18" charset="0"/>
+              </a:rPr>
+              <a:t>reduces the risk of single points of failure. </a:t>
+            </a:r>
+            <a:endParaRPr lang="en-IN" sz="2800" kern="100" dirty="0">
+              <a:effectLst/>
+              <a:latin typeface="Calibri" panose="020F0502020204030204" pitchFamily="34" charset="0"/>
+              <a:ea typeface="Calibri" panose="020F0502020204030204" pitchFamily="34" charset="0"/>
+              <a:cs typeface="Times New Roman" panose="02020603050405020304" pitchFamily="18" charset="0"/>
+            </a:endParaRPr>
+          </a:p>
+          <a:p>
+            <a:endParaRPr lang="en-IN" dirty="0"/>
+          </a:p>
+        </p:txBody>
+      </p:sp>
+    </p:spTree>
+    <p:extLst>
+      <p:ext uri="{BB962C8B-B14F-4D97-AF65-F5344CB8AC3E}">
+        <p14:creationId xmlns:p14="http://schemas.microsoft.com/office/powerpoint/2010/main" val="2606892271"/>
+      </p:ext>
+    </p:extLst>
+  </p:cSld>
+  <p:clrMapOvr>
+    <a:masterClrMapping/>
+  </p:clrMapOvr>
+</p:sld>
+</file>
+
+<file path=ppt/slides/slide14.xml><?xml version="1.0" encoding="utf-8"?>
+<p:sld xmlns:a="http://schemas.openxmlformats.org/drawingml/2006/main" xmlns:r="http://schemas.openxmlformats.org/officeDocument/2006/relationships" xmlns:p="http://schemas.openxmlformats.org/presentationml/2006/main">
+  <p:cSld>
+    <p:spTree>
+      <p:nvGrpSpPr>
+        <p:cNvPr id="1" name=""/>
+        <p:cNvGrpSpPr/>
+        <p:nvPr/>
+      </p:nvGrpSpPr>
+      <p:grpSpPr>
+        <a:xfrm>
+          <a:off x="0" y="0"/>
+          <a:ext cx="0" cy="0"/>
+          <a:chOff x="0" y="0"/>
+          <a:chExt cx="0" cy="0"/>
+        </a:xfrm>
+      </p:grpSpPr>
+      <p:pic>
+        <p:nvPicPr>
+          <p:cNvPr id="3" name="Picture 2">
+            <a:extLst>
+              <a:ext uri="{FF2B5EF4-FFF2-40B4-BE49-F238E27FC236}">
+                <a16:creationId xmlns:a16="http://schemas.microsoft.com/office/drawing/2014/main" id="{C5E8FDD4-23EC-A111-DD66-7073EA18E579}"/>
+              </a:ext>
+            </a:extLst>
+          </p:cNvPr>
+          <p:cNvPicPr>
+            <a:picLocks noChangeAspect="1"/>
+          </p:cNvPicPr>
+          <p:nvPr/>
+        </p:nvPicPr>
+        <p:blipFill>
+          <a:blip r:embed="rId2">
+            <a:extLst>
+              <a:ext uri="{28A0092B-C50C-407E-A947-70E740481C1C}">
+                <a14:useLocalDpi xmlns:a14="http://schemas.microsoft.com/office/drawing/2010/main" val="0"/>
+              </a:ext>
+            </a:extLst>
+          </a:blip>
+          <a:stretch>
+            <a:fillRect/>
+          </a:stretch>
+        </p:blipFill>
+        <p:spPr>
+          <a:xfrm>
+            <a:off x="0" y="0"/>
+            <a:ext cx="12192000" cy="6857999"/>
+          </a:xfrm>
+          <a:prstGeom prst="rect">
+            <a:avLst/>
+          </a:prstGeom>
+        </p:spPr>
+      </p:pic>
+      <p:sp>
+        <p:nvSpPr>
+          <p:cNvPr id="4" name="TextBox 3">
+            <a:extLst>
+              <a:ext uri="{FF2B5EF4-FFF2-40B4-BE49-F238E27FC236}">
+                <a16:creationId xmlns:a16="http://schemas.microsoft.com/office/drawing/2014/main" id="{3F3D430F-9ECA-5F2B-2C59-43FEFB3511AF}"/>
+              </a:ext>
+            </a:extLst>
+          </p:cNvPr>
+          <p:cNvSpPr txBox="1"/>
+          <p:nvPr/>
+        </p:nvSpPr>
+        <p:spPr>
+          <a:xfrm>
+            <a:off x="530943" y="1305340"/>
+            <a:ext cx="5329084" cy="3598934"/>
+          </a:xfrm>
+          <a:prstGeom prst="rect">
+            <a:avLst/>
+          </a:prstGeom>
+          <a:noFill/>
+        </p:spPr>
+        <p:txBody>
+          <a:bodyPr wrap="square" rtlCol="0">
+            <a:spAutoFit/>
+          </a:bodyPr>
+          <a:lstStyle/>
+          <a:p>
+            <a:pPr marL="342900" marR="550545" lvl="0" indent="-342900">
+              <a:lnSpc>
+                <a:spcPct val="115000"/>
+              </a:lnSpc>
+              <a:spcAft>
+                <a:spcPts val="800"/>
+              </a:spcAft>
+              <a:tabLst>
+                <a:tab pos="457200" algn="l"/>
+              </a:tabLst>
+            </a:pPr>
+            <a:r>
+              <a:rPr lang="en-IN" sz="2800" b="1" kern="100" dirty="0">
+                <a:effectLst/>
+                <a:latin typeface="Times New Roman" panose="02020603050405020304" pitchFamily="18" charset="0"/>
+                <a:ea typeface="Calibri" panose="020F0502020204030204" pitchFamily="34" charset="0"/>
+                <a:cs typeface="Times New Roman" panose="02020603050405020304" pitchFamily="18" charset="0"/>
+              </a:rPr>
+              <a:t>   Immutability</a:t>
+            </a:r>
+            <a:r>
+              <a:rPr lang="en-IN" sz="2800" kern="100" dirty="0">
+                <a:effectLst/>
+                <a:latin typeface="Times New Roman" panose="02020603050405020304" pitchFamily="18" charset="0"/>
+                <a:ea typeface="Calibri" panose="020F0502020204030204" pitchFamily="34" charset="0"/>
+                <a:cs typeface="Times New Roman" panose="02020603050405020304" pitchFamily="18" charset="0"/>
+              </a:rPr>
+              <a:t>: Once data is recorded on the blockchain, it cannot be altered or deleted. This immutability ensures the integrity and trustworthiness of the information stored.</a:t>
+            </a:r>
+            <a:endParaRPr lang="en-IN" sz="2800" kern="100" dirty="0">
+              <a:effectLst/>
+              <a:latin typeface="Calibri" panose="020F0502020204030204" pitchFamily="34" charset="0"/>
+              <a:ea typeface="Calibri" panose="020F0502020204030204" pitchFamily="34" charset="0"/>
+              <a:cs typeface="Times New Roman" panose="02020603050405020304" pitchFamily="18" charset="0"/>
+            </a:endParaRPr>
+          </a:p>
+          <a:p>
+            <a:endParaRPr lang="en-IN" sz="2800" dirty="0"/>
+          </a:p>
+        </p:txBody>
+      </p:sp>
+    </p:spTree>
+    <p:extLst>
+      <p:ext uri="{BB962C8B-B14F-4D97-AF65-F5344CB8AC3E}">
+        <p14:creationId xmlns:p14="http://schemas.microsoft.com/office/powerpoint/2010/main" val="3842685709"/>
+      </p:ext>
+    </p:extLst>
+  </p:cSld>
+  <p:clrMapOvr>
+    <a:masterClrMapping/>
+  </p:clrMapOvr>
+</p:sld>
+</file>
+
+<file path=ppt/slides/slide15.xml><?xml version="1.0" encoding="utf-8"?>
+<p:sld xmlns:a="http://schemas.openxmlformats.org/drawingml/2006/main" xmlns:r="http://schemas.openxmlformats.org/officeDocument/2006/relationships" xmlns:p="http://schemas.openxmlformats.org/presentationml/2006/main">
+  <p:cSld>
+    <p:spTree>
+      <p:nvGrpSpPr>
+        <p:cNvPr id="1" name=""/>
+        <p:cNvGrpSpPr/>
+        <p:nvPr/>
+      </p:nvGrpSpPr>
+      <p:grpSpPr>
+        <a:xfrm>
+          <a:off x="0" y="0"/>
+          <a:ext cx="0" cy="0"/>
+          <a:chOff x="0" y="0"/>
+          <a:chExt cx="0" cy="0"/>
+        </a:xfrm>
+      </p:grpSpPr>
+      <p:pic>
+        <p:nvPicPr>
+          <p:cNvPr id="3" name="Picture 2">
+            <a:extLst>
+              <a:ext uri="{FF2B5EF4-FFF2-40B4-BE49-F238E27FC236}">
+                <a16:creationId xmlns:a16="http://schemas.microsoft.com/office/drawing/2014/main" id="{C5E8FDD4-23EC-A111-DD66-7073EA18E579}"/>
+              </a:ext>
+            </a:extLst>
+          </p:cNvPr>
+          <p:cNvPicPr>
+            <a:picLocks noChangeAspect="1"/>
+          </p:cNvPicPr>
+          <p:nvPr/>
+        </p:nvPicPr>
+        <p:blipFill>
+          <a:blip r:embed="rId2">
+            <a:extLst>
+              <a:ext uri="{28A0092B-C50C-407E-A947-70E740481C1C}">
+                <a14:useLocalDpi xmlns:a14="http://schemas.microsoft.com/office/drawing/2010/main" val="0"/>
+              </a:ext>
+            </a:extLst>
+          </a:blip>
+          <a:stretch>
+            <a:fillRect/>
+          </a:stretch>
+        </p:blipFill>
+        <p:spPr>
+          <a:xfrm>
+            <a:off x="0" y="0"/>
+            <a:ext cx="12192000" cy="6857999"/>
+          </a:xfrm>
+          <a:prstGeom prst="rect">
+            <a:avLst/>
+          </a:prstGeom>
+        </p:spPr>
+      </p:pic>
+      <p:sp>
+        <p:nvSpPr>
+          <p:cNvPr id="4" name="TextBox 3">
+            <a:extLst>
+              <a:ext uri="{FF2B5EF4-FFF2-40B4-BE49-F238E27FC236}">
+                <a16:creationId xmlns:a16="http://schemas.microsoft.com/office/drawing/2014/main" id="{3F3D430F-9ECA-5F2B-2C59-43FEFB3511AF}"/>
+              </a:ext>
+            </a:extLst>
+          </p:cNvPr>
+          <p:cNvSpPr txBox="1"/>
+          <p:nvPr/>
+        </p:nvSpPr>
+        <p:spPr>
+          <a:xfrm>
+            <a:off x="462117" y="1836282"/>
+            <a:ext cx="5329084" cy="2538515"/>
+          </a:xfrm>
+          <a:prstGeom prst="rect">
+            <a:avLst/>
+          </a:prstGeom>
+          <a:noFill/>
+        </p:spPr>
+        <p:txBody>
+          <a:bodyPr wrap="square" rtlCol="0">
+            <a:spAutoFit/>
+          </a:bodyPr>
+          <a:lstStyle/>
+          <a:p>
+            <a:pPr marL="342900" marR="550545" lvl="0" indent="-342900">
+              <a:lnSpc>
+                <a:spcPct val="115000"/>
+              </a:lnSpc>
+              <a:spcAft>
+                <a:spcPts val="800"/>
+              </a:spcAft>
+              <a:tabLst>
+                <a:tab pos="457200" algn="l"/>
+              </a:tabLst>
+            </a:pPr>
+            <a:r>
+              <a:rPr lang="en-IN" sz="2800" b="1" kern="100" dirty="0">
+                <a:effectLst/>
+                <a:latin typeface="Times New Roman" panose="02020603050405020304" pitchFamily="18" charset="0"/>
+                <a:ea typeface="Calibri" panose="020F0502020204030204" pitchFamily="34" charset="0"/>
+                <a:cs typeface="Times New Roman" panose="02020603050405020304" pitchFamily="18" charset="0"/>
+              </a:rPr>
+              <a:t>Transparency</a:t>
+            </a:r>
+            <a:r>
+              <a:rPr lang="en-IN" sz="2800" kern="100" dirty="0">
+                <a:effectLst/>
+                <a:latin typeface="Times New Roman" panose="02020603050405020304" pitchFamily="18" charset="0"/>
+                <a:ea typeface="Calibri" panose="020F0502020204030204" pitchFamily="34" charset="0"/>
+                <a:cs typeface="Times New Roman" panose="02020603050405020304" pitchFamily="18" charset="0"/>
+              </a:rPr>
+              <a:t>: All transactions on a public blockchain are visible to all participants, promoting accountability and trust within the network.</a:t>
+            </a:r>
+            <a:endParaRPr lang="en-IN" sz="2800" kern="100" dirty="0">
+              <a:effectLst/>
+              <a:latin typeface="Calibri" panose="020F0502020204030204" pitchFamily="34" charset="0"/>
+              <a:ea typeface="Calibri" panose="020F0502020204030204" pitchFamily="34" charset="0"/>
+              <a:cs typeface="Times New Roman" panose="02020603050405020304" pitchFamily="18" charset="0"/>
+            </a:endParaRPr>
+          </a:p>
+        </p:txBody>
+      </p:sp>
+    </p:spTree>
+    <p:extLst>
+      <p:ext uri="{BB962C8B-B14F-4D97-AF65-F5344CB8AC3E}">
+        <p14:creationId xmlns:p14="http://schemas.microsoft.com/office/powerpoint/2010/main" val="1675551942"/>
+      </p:ext>
+    </p:extLst>
+  </p:cSld>
+  <p:clrMapOvr>
+    <a:masterClrMapping/>
+  </p:clrMapOvr>
+</p:sld>
+</file>
+
+<file path=ppt/slides/slide16.xml><?xml version="1.0" encoding="utf-8"?>
+<p:sld xmlns:a="http://schemas.openxmlformats.org/drawingml/2006/main" xmlns:r="http://schemas.openxmlformats.org/officeDocument/2006/relationships" xmlns:p="http://schemas.openxmlformats.org/presentationml/2006/main">
+  <p:cSld>
+    <p:spTree>
+      <p:nvGrpSpPr>
+        <p:cNvPr id="1" name=""/>
+        <p:cNvGrpSpPr/>
+        <p:nvPr/>
+      </p:nvGrpSpPr>
+      <p:grpSpPr>
+        <a:xfrm>
+          <a:off x="0" y="0"/>
+          <a:ext cx="0" cy="0"/>
+          <a:chOff x="0" y="0"/>
+          <a:chExt cx="0" cy="0"/>
+        </a:xfrm>
+      </p:grpSpPr>
+      <p:pic>
+        <p:nvPicPr>
+          <p:cNvPr id="3" name="Picture 2">
+            <a:extLst>
+              <a:ext uri="{FF2B5EF4-FFF2-40B4-BE49-F238E27FC236}">
+                <a16:creationId xmlns:a16="http://schemas.microsoft.com/office/drawing/2014/main" id="{C5E8FDD4-23EC-A111-DD66-7073EA18E579}"/>
+              </a:ext>
+            </a:extLst>
+          </p:cNvPr>
+          <p:cNvPicPr>
+            <a:picLocks noChangeAspect="1"/>
+          </p:cNvPicPr>
+          <p:nvPr/>
+        </p:nvPicPr>
+        <p:blipFill>
+          <a:blip r:embed="rId2">
+            <a:extLst>
+              <a:ext uri="{28A0092B-C50C-407E-A947-70E740481C1C}">
+                <a14:useLocalDpi xmlns:a14="http://schemas.microsoft.com/office/drawing/2010/main" val="0"/>
+              </a:ext>
+            </a:extLst>
+          </a:blip>
+          <a:stretch>
+            <a:fillRect/>
+          </a:stretch>
+        </p:blipFill>
+        <p:spPr>
+          <a:xfrm>
+            <a:off x="0" y="1"/>
+            <a:ext cx="12192000" cy="6857999"/>
+          </a:xfrm>
+          <a:prstGeom prst="rect">
+            <a:avLst/>
+          </a:prstGeom>
+        </p:spPr>
+      </p:pic>
+      <p:sp>
+        <p:nvSpPr>
+          <p:cNvPr id="4" name="TextBox 3">
+            <a:extLst>
+              <a:ext uri="{FF2B5EF4-FFF2-40B4-BE49-F238E27FC236}">
+                <a16:creationId xmlns:a16="http://schemas.microsoft.com/office/drawing/2014/main" id="{3F3D430F-9ECA-5F2B-2C59-43FEFB3511AF}"/>
+              </a:ext>
+            </a:extLst>
+          </p:cNvPr>
+          <p:cNvSpPr txBox="1"/>
+          <p:nvPr/>
+        </p:nvSpPr>
+        <p:spPr>
+          <a:xfrm>
+            <a:off x="462117" y="1836282"/>
+            <a:ext cx="5329084" cy="2538515"/>
+          </a:xfrm>
+          <a:prstGeom prst="rect">
+            <a:avLst/>
+          </a:prstGeom>
+          <a:noFill/>
+        </p:spPr>
+        <p:txBody>
+          <a:bodyPr wrap="square" rtlCol="0">
+            <a:spAutoFit/>
+          </a:bodyPr>
+          <a:lstStyle/>
+          <a:p>
+            <a:pPr marL="342900" marR="550545" lvl="0" indent="-342900">
+              <a:lnSpc>
+                <a:spcPct val="115000"/>
+              </a:lnSpc>
+              <a:spcAft>
+                <a:spcPts val="800"/>
+              </a:spcAft>
+              <a:tabLst>
+                <a:tab pos="457200" algn="l"/>
+              </a:tabLst>
+            </a:pPr>
+            <a:r>
+              <a:rPr lang="en-IN" sz="2800" b="1" kern="100" dirty="0">
+                <a:effectLst/>
+                <a:latin typeface="Times New Roman" panose="02020603050405020304" pitchFamily="18" charset="0"/>
+                <a:ea typeface="Calibri" panose="020F0502020204030204" pitchFamily="34" charset="0"/>
+                <a:cs typeface="Times New Roman" panose="02020603050405020304" pitchFamily="18" charset="0"/>
+              </a:rPr>
+              <a:t>Security</a:t>
+            </a:r>
+            <a:r>
+              <a:rPr lang="en-IN" sz="2800" kern="100" dirty="0">
+                <a:effectLst/>
+                <a:latin typeface="Times New Roman" panose="02020603050405020304" pitchFamily="18" charset="0"/>
+                <a:ea typeface="Calibri" panose="020F0502020204030204" pitchFamily="34" charset="0"/>
+                <a:cs typeface="Times New Roman" panose="02020603050405020304" pitchFamily="18" charset="0"/>
+              </a:rPr>
+              <a:t>: Blockchain employs advanced cryptographic techniques to secure data, making it highly resistant to fraud and cyberattacks. </a:t>
+            </a:r>
+            <a:endParaRPr lang="en-IN" sz="2800" kern="100" dirty="0">
+              <a:effectLst/>
+              <a:latin typeface="Calibri" panose="020F0502020204030204" pitchFamily="34" charset="0"/>
+              <a:ea typeface="Calibri" panose="020F0502020204030204" pitchFamily="34" charset="0"/>
+              <a:cs typeface="Times New Roman" panose="02020603050405020304" pitchFamily="18" charset="0"/>
+            </a:endParaRPr>
+          </a:p>
+        </p:txBody>
+      </p:sp>
+    </p:spTree>
+    <p:extLst>
+      <p:ext uri="{BB962C8B-B14F-4D97-AF65-F5344CB8AC3E}">
+        <p14:creationId xmlns:p14="http://schemas.microsoft.com/office/powerpoint/2010/main" val="1811551404"/>
+      </p:ext>
+    </p:extLst>
+  </p:cSld>
+  <p:clrMapOvr>
+    <a:masterClrMapping/>
+  </p:clrMapOvr>
+</p:sld>
+</file>
+
+<file path=ppt/slides/slide17.xml><?xml version="1.0" encoding="utf-8"?>
+<p:sld xmlns:a="http://schemas.openxmlformats.org/drawingml/2006/main" xmlns:r="http://schemas.openxmlformats.org/officeDocument/2006/relationships" xmlns:p="http://schemas.openxmlformats.org/presentationml/2006/main">
+  <p:cSld>
+    <p:spTree>
+      <p:nvGrpSpPr>
+        <p:cNvPr id="1" name=""/>
+        <p:cNvGrpSpPr/>
+        <p:nvPr/>
+      </p:nvGrpSpPr>
+      <p:grpSpPr>
+        <a:xfrm>
+          <a:off x="0" y="0"/>
+          <a:ext cx="0" cy="0"/>
+          <a:chOff x="0" y="0"/>
+          <a:chExt cx="0" cy="0"/>
+        </a:xfrm>
+      </p:grpSpPr>
+      <p:pic>
+        <p:nvPicPr>
+          <p:cNvPr id="3" name="Picture 2">
+            <a:extLst>
+              <a:ext uri="{FF2B5EF4-FFF2-40B4-BE49-F238E27FC236}">
+                <a16:creationId xmlns:a16="http://schemas.microsoft.com/office/drawing/2014/main" id="{C5E8FDD4-23EC-A111-DD66-7073EA18E579}"/>
+              </a:ext>
+            </a:extLst>
+          </p:cNvPr>
+          <p:cNvPicPr>
+            <a:picLocks noChangeAspect="1"/>
+          </p:cNvPicPr>
+          <p:nvPr/>
+        </p:nvPicPr>
+        <p:blipFill>
+          <a:blip r:embed="rId2">
+            <a:extLst>
+              <a:ext uri="{28A0092B-C50C-407E-A947-70E740481C1C}">
+                <a14:useLocalDpi xmlns:a14="http://schemas.microsoft.com/office/drawing/2010/main" val="0"/>
+              </a:ext>
+            </a:extLst>
+          </a:blip>
+          <a:stretch>
+            <a:fillRect/>
+          </a:stretch>
+        </p:blipFill>
+        <p:spPr>
+          <a:xfrm>
+            <a:off x="0" y="1"/>
+            <a:ext cx="12192000" cy="6857999"/>
+          </a:xfrm>
+          <a:prstGeom prst="rect">
+            <a:avLst/>
+          </a:prstGeom>
+        </p:spPr>
+      </p:pic>
+      <p:sp>
+        <p:nvSpPr>
+          <p:cNvPr id="4" name="TextBox 3">
+            <a:extLst>
+              <a:ext uri="{FF2B5EF4-FFF2-40B4-BE49-F238E27FC236}">
+                <a16:creationId xmlns:a16="http://schemas.microsoft.com/office/drawing/2014/main" id="{3F3D430F-9ECA-5F2B-2C59-43FEFB3511AF}"/>
+              </a:ext>
+            </a:extLst>
+          </p:cNvPr>
+          <p:cNvSpPr txBox="1"/>
+          <p:nvPr/>
+        </p:nvSpPr>
+        <p:spPr>
+          <a:xfrm>
+            <a:off x="383459" y="1315172"/>
+            <a:ext cx="5329084" cy="4025076"/>
+          </a:xfrm>
+          <a:prstGeom prst="rect">
+            <a:avLst/>
+          </a:prstGeom>
+          <a:noFill/>
+        </p:spPr>
+        <p:txBody>
+          <a:bodyPr wrap="square" rtlCol="0">
+            <a:spAutoFit/>
+          </a:bodyPr>
+          <a:lstStyle/>
+          <a:p>
+            <a:pPr marL="342900" marR="550545" lvl="0" indent="-342900">
+              <a:lnSpc>
+                <a:spcPct val="115000"/>
+              </a:lnSpc>
+              <a:spcAft>
+                <a:spcPts val="800"/>
+              </a:spcAft>
+              <a:tabLst>
+                <a:tab pos="457200" algn="l"/>
+              </a:tabLst>
+            </a:pPr>
+            <a:r>
+              <a:rPr lang="en-IN" sz="2800" b="1" kern="100" dirty="0">
+                <a:effectLst/>
+                <a:latin typeface="Times New Roman" panose="02020603050405020304" pitchFamily="18" charset="0"/>
+                <a:ea typeface="Calibri" panose="020F0502020204030204" pitchFamily="34" charset="0"/>
+                <a:cs typeface="Times New Roman" panose="02020603050405020304" pitchFamily="18" charset="0"/>
+              </a:rPr>
+              <a:t>Consensus Mechanisms</a:t>
+            </a:r>
+            <a:r>
+              <a:rPr lang="en-IN" sz="2800" kern="100" dirty="0">
+                <a:effectLst/>
+                <a:latin typeface="Times New Roman" panose="02020603050405020304" pitchFamily="18" charset="0"/>
+                <a:ea typeface="Calibri" panose="020F0502020204030204" pitchFamily="34" charset="0"/>
+                <a:cs typeface="Times New Roman" panose="02020603050405020304" pitchFamily="18" charset="0"/>
+              </a:rPr>
+              <a:t>: Blockchain networks utilize consensus algorithms, such as Proof of Work (PoW) or Proof of Stake (</a:t>
+            </a:r>
+            <a:r>
+              <a:rPr lang="en-IN" sz="2800" kern="100" dirty="0" err="1">
+                <a:effectLst/>
+                <a:latin typeface="Times New Roman" panose="02020603050405020304" pitchFamily="18" charset="0"/>
+                <a:ea typeface="Calibri" panose="020F0502020204030204" pitchFamily="34" charset="0"/>
+                <a:cs typeface="Times New Roman" panose="02020603050405020304" pitchFamily="18" charset="0"/>
+              </a:rPr>
+              <a:t>PoS</a:t>
+            </a:r>
+            <a:r>
+              <a:rPr lang="en-IN" sz="2800" kern="100" dirty="0">
+                <a:effectLst/>
+                <a:latin typeface="Times New Roman" panose="02020603050405020304" pitchFamily="18" charset="0"/>
+                <a:ea typeface="Calibri" panose="020F0502020204030204" pitchFamily="34" charset="0"/>
+                <a:cs typeface="Times New Roman" panose="02020603050405020304" pitchFamily="18" charset="0"/>
+              </a:rPr>
+              <a:t>), to validate transactions and maintain the integrity of the ledger.</a:t>
+            </a:r>
+            <a:r>
+              <a:rPr lang="en-IN" sz="2800" kern="100" dirty="0">
+                <a:effectLst/>
+                <a:latin typeface="Calibri" panose="020F0502020204030204" pitchFamily="34" charset="0"/>
+                <a:ea typeface="Calibri" panose="020F0502020204030204" pitchFamily="34" charset="0"/>
+                <a:cs typeface="Times New Roman" panose="02020603050405020304" pitchFamily="18" charset="0"/>
+              </a:rPr>
+              <a:t> </a:t>
+            </a:r>
+          </a:p>
+        </p:txBody>
+      </p:sp>
+    </p:spTree>
+    <p:extLst>
+      <p:ext uri="{BB962C8B-B14F-4D97-AF65-F5344CB8AC3E}">
+        <p14:creationId xmlns:p14="http://schemas.microsoft.com/office/powerpoint/2010/main" val="1804974347"/>
+      </p:ext>
+    </p:extLst>
+  </p:cSld>
+  <p:clrMapOvr>
+    <a:masterClrMapping/>
+  </p:clrMapOvr>
+</p:sld>
+</file>
+
+<file path=ppt/slides/slide18.xml><?xml version="1.0" encoding="utf-8"?>
+<p:sld xmlns:a="http://schemas.openxmlformats.org/drawingml/2006/main" xmlns:r="http://schemas.openxmlformats.org/officeDocument/2006/relationships" xmlns:p="http://schemas.openxmlformats.org/presentationml/2006/main">
+  <p:cSld>
+    <p:spTree>
+      <p:nvGrpSpPr>
+        <p:cNvPr id="1" name=""/>
+        <p:cNvGrpSpPr/>
+        <p:nvPr/>
+      </p:nvGrpSpPr>
+      <p:grpSpPr>
+        <a:xfrm>
+          <a:off x="0" y="0"/>
+          <a:ext cx="0" cy="0"/>
+          <a:chOff x="0" y="0"/>
+          <a:chExt cx="0" cy="0"/>
+        </a:xfrm>
+      </p:grpSpPr>
+      <p:pic>
+        <p:nvPicPr>
+          <p:cNvPr id="3" name="Picture 2">
+            <a:extLst>
+              <a:ext uri="{FF2B5EF4-FFF2-40B4-BE49-F238E27FC236}">
+                <a16:creationId xmlns:a16="http://schemas.microsoft.com/office/drawing/2014/main" id="{7D0F4FE7-C1C9-67F7-6292-69DE9B9FB8DA}"/>
+              </a:ext>
+            </a:extLst>
+          </p:cNvPr>
+          <p:cNvPicPr>
+            <a:picLocks noChangeAspect="1"/>
+          </p:cNvPicPr>
+          <p:nvPr/>
+        </p:nvPicPr>
+        <p:blipFill>
+          <a:blip r:embed="rId2">
+            <a:extLst>
+              <a:ext uri="{28A0092B-C50C-407E-A947-70E740481C1C}">
+                <a14:useLocalDpi xmlns:a14="http://schemas.microsoft.com/office/drawing/2010/main" val="0"/>
+              </a:ext>
+            </a:extLst>
+          </a:blip>
+          <a:stretch>
+            <a:fillRect/>
+          </a:stretch>
+        </p:blipFill>
+        <p:spPr>
+          <a:xfrm>
+            <a:off x="0" y="0"/>
+            <a:ext cx="12191999" cy="6858000"/>
+          </a:xfrm>
+          <a:prstGeom prst="rect">
+            <a:avLst/>
+          </a:prstGeom>
+        </p:spPr>
+      </p:pic>
+      <p:sp>
+        <p:nvSpPr>
+          <p:cNvPr id="4" name="TextBox 3">
+            <a:extLst>
+              <a:ext uri="{FF2B5EF4-FFF2-40B4-BE49-F238E27FC236}">
+                <a16:creationId xmlns:a16="http://schemas.microsoft.com/office/drawing/2014/main" id="{561EB46E-F3D9-BDA7-6BA6-B7777B6F7C13}"/>
+              </a:ext>
+            </a:extLst>
+          </p:cNvPr>
+          <p:cNvSpPr txBox="1"/>
+          <p:nvPr/>
+        </p:nvSpPr>
+        <p:spPr>
+          <a:xfrm>
+            <a:off x="1799303" y="4503174"/>
+            <a:ext cx="8860887" cy="923330"/>
+          </a:xfrm>
+          <a:prstGeom prst="rect">
+            <a:avLst/>
+          </a:prstGeom>
+          <a:noFill/>
+        </p:spPr>
+        <p:txBody>
+          <a:bodyPr wrap="none" rtlCol="0">
+            <a:spAutoFit/>
+          </a:bodyPr>
+          <a:lstStyle/>
+          <a:p>
+            <a:pPr algn="ctr"/>
+            <a:r>
+              <a:rPr lang="en-IN" sz="5400" b="1" dirty="0">
+                <a:solidFill>
+                  <a:srgbClr val="FFFF00"/>
+                </a:solidFill>
+                <a:effectLst/>
+                <a:latin typeface="Calibri" panose="020F0502020204030204" pitchFamily="34" charset="0"/>
+                <a:ea typeface="Calibri" panose="020F0502020204030204" pitchFamily="34" charset="0"/>
+                <a:cs typeface="Times New Roman" panose="02020603050405020304" pitchFamily="18" charset="0"/>
+              </a:rPr>
+              <a:t>BLOCKCHAIN FUNDAMENTALS</a:t>
+            </a:r>
+            <a:endParaRPr lang="en-IN" sz="5400" dirty="0">
+              <a:solidFill>
+                <a:srgbClr val="FFFF00"/>
+              </a:solidFill>
+            </a:endParaRPr>
+          </a:p>
+        </p:txBody>
+      </p:sp>
+    </p:spTree>
+    <p:extLst>
+      <p:ext uri="{BB962C8B-B14F-4D97-AF65-F5344CB8AC3E}">
+        <p14:creationId xmlns:p14="http://schemas.microsoft.com/office/powerpoint/2010/main" val="971789617"/>
+      </p:ext>
+    </p:extLst>
+  </p:cSld>
+  <p:clrMapOvr>
+    <a:masterClrMapping/>
+  </p:clrMapOvr>
+</p:sld>
+</file>
+
+<file path=ppt/slides/slide19.xml><?xml version="1.0" encoding="utf-8"?>
+<p:sld xmlns:a="http://schemas.openxmlformats.org/drawingml/2006/main" xmlns:r="http://schemas.openxmlformats.org/officeDocument/2006/relationships" xmlns:p="http://schemas.openxmlformats.org/presentationml/2006/main">
+  <p:cSld>
+    <p:spTree>
+      <p:nvGrpSpPr>
+        <p:cNvPr id="1" name=""/>
+        <p:cNvGrpSpPr/>
+        <p:nvPr/>
+      </p:nvGrpSpPr>
+      <p:grpSpPr>
+        <a:xfrm>
+          <a:off x="0" y="0"/>
+          <a:ext cx="0" cy="0"/>
+          <a:chOff x="0" y="0"/>
+          <a:chExt cx="0" cy="0"/>
+        </a:xfrm>
+      </p:grpSpPr>
+      <p:pic>
+        <p:nvPicPr>
+          <p:cNvPr id="3" name="Picture 2">
+            <a:extLst>
+              <a:ext uri="{FF2B5EF4-FFF2-40B4-BE49-F238E27FC236}">
+                <a16:creationId xmlns:a16="http://schemas.microsoft.com/office/drawing/2014/main" id="{8FEDFFD8-AD58-9650-69BD-30D3C8F639E2}"/>
+              </a:ext>
+            </a:extLst>
+          </p:cNvPr>
+          <p:cNvPicPr>
+            <a:picLocks noChangeAspect="1"/>
+          </p:cNvPicPr>
+          <p:nvPr/>
+        </p:nvPicPr>
+        <p:blipFill>
+          <a:blip r:embed="rId2">
+            <a:extLst>
+              <a:ext uri="{28A0092B-C50C-407E-A947-70E740481C1C}">
+                <a14:useLocalDpi xmlns:a14="http://schemas.microsoft.com/office/drawing/2010/main" val="0"/>
+              </a:ext>
+            </a:extLst>
+          </a:blip>
+          <a:stretch>
+            <a:fillRect/>
+          </a:stretch>
+        </p:blipFill>
+        <p:spPr>
+          <a:xfrm>
+            <a:off x="0" y="0"/>
+            <a:ext cx="12192000" cy="6858000"/>
+          </a:xfrm>
+          <a:prstGeom prst="rect">
+            <a:avLst/>
+          </a:prstGeom>
+        </p:spPr>
+      </p:pic>
+      <p:sp>
+        <p:nvSpPr>
+          <p:cNvPr id="4" name="TextBox 3">
+            <a:extLst>
+              <a:ext uri="{FF2B5EF4-FFF2-40B4-BE49-F238E27FC236}">
+                <a16:creationId xmlns:a16="http://schemas.microsoft.com/office/drawing/2014/main" id="{8E4783A1-6385-4D80-62C6-62AA184FCA27}"/>
+              </a:ext>
+            </a:extLst>
+          </p:cNvPr>
+          <p:cNvSpPr txBox="1"/>
+          <p:nvPr/>
+        </p:nvSpPr>
+        <p:spPr>
+          <a:xfrm>
+            <a:off x="2566220" y="1976284"/>
+            <a:ext cx="7486130" cy="3494546"/>
+          </a:xfrm>
+          <a:prstGeom prst="rect">
+            <a:avLst/>
+          </a:prstGeom>
+          <a:noFill/>
+        </p:spPr>
+        <p:txBody>
+          <a:bodyPr wrap="square" rtlCol="0">
+            <a:spAutoFit/>
+          </a:bodyPr>
+          <a:lstStyle/>
+          <a:p>
+            <a:pPr marR="550545" algn="ctr">
+              <a:lnSpc>
+                <a:spcPct val="107000"/>
+              </a:lnSpc>
+              <a:spcAft>
+                <a:spcPts val="800"/>
+              </a:spcAft>
+            </a:pPr>
+            <a:r>
+              <a:rPr lang="en-IN" sz="2800" b="1" kern="100" dirty="0">
+                <a:solidFill>
+                  <a:schemeClr val="bg1"/>
+                </a:solidFill>
+                <a:effectLst/>
+                <a:highlight>
+                  <a:srgbClr val="FFFF00"/>
+                </a:highlight>
+                <a:latin typeface="Times New Roman" panose="02020603050405020304" pitchFamily="18" charset="0"/>
+                <a:ea typeface="Calibri" panose="020F0502020204030204" pitchFamily="34" charset="0"/>
+                <a:cs typeface="Times New Roman" panose="02020603050405020304" pitchFamily="18" charset="0"/>
+              </a:rPr>
+              <a:t>Cryptography and Hashing in Blockchain</a:t>
+            </a:r>
+            <a:endParaRPr lang="en-IN" sz="2800" kern="100" dirty="0">
+              <a:solidFill>
+                <a:schemeClr val="bg1"/>
+              </a:solidFill>
+              <a:effectLst/>
+              <a:highlight>
+                <a:srgbClr val="FFFF00"/>
+              </a:highlight>
+              <a:latin typeface="Calibri" panose="020F0502020204030204" pitchFamily="34" charset="0"/>
+              <a:ea typeface="Calibri" panose="020F0502020204030204" pitchFamily="34" charset="0"/>
+              <a:cs typeface="Times New Roman" panose="02020603050405020304" pitchFamily="18" charset="0"/>
+            </a:endParaRPr>
+          </a:p>
+          <a:p>
+            <a:pPr marR="550545" algn="ctr">
+              <a:lnSpc>
+                <a:spcPct val="107000"/>
+              </a:lnSpc>
+              <a:spcAft>
+                <a:spcPts val="800"/>
+              </a:spcAft>
+            </a:pPr>
+            <a:r>
+              <a:rPr lang="en-IN" sz="2800" kern="100" dirty="0">
+                <a:solidFill>
+                  <a:schemeClr val="bg1"/>
+                </a:solidFill>
+                <a:effectLst/>
+                <a:highlight>
+                  <a:srgbClr val="FFFF00"/>
+                </a:highlight>
+                <a:latin typeface="Times New Roman" panose="02020603050405020304" pitchFamily="18" charset="0"/>
+                <a:ea typeface="Calibri" panose="020F0502020204030204" pitchFamily="34" charset="0"/>
+                <a:cs typeface="Times New Roman" panose="02020603050405020304" pitchFamily="18" charset="0"/>
+              </a:rPr>
+              <a:t>Blockchain technology relies heavily on cryptography to ensure the security, integrity, and immutability of its data. A fundamental aspect of this cryptographic foundation is the use of hash functions.</a:t>
+            </a:r>
+            <a:endParaRPr lang="en-IN" sz="2800" kern="100" dirty="0">
+              <a:solidFill>
+                <a:schemeClr val="bg1"/>
+              </a:solidFill>
+              <a:effectLst/>
+              <a:highlight>
+                <a:srgbClr val="FFFF00"/>
+              </a:highlight>
+              <a:latin typeface="Calibri" panose="020F0502020204030204" pitchFamily="34" charset="0"/>
+              <a:ea typeface="Calibri" panose="020F0502020204030204" pitchFamily="34" charset="0"/>
+              <a:cs typeface="Times New Roman" panose="02020603050405020304" pitchFamily="18" charset="0"/>
+            </a:endParaRPr>
+          </a:p>
+          <a:p>
+            <a:endParaRPr lang="en-IN" sz="2800" dirty="0">
+              <a:solidFill>
+                <a:schemeClr val="bg1"/>
+              </a:solidFill>
+              <a:highlight>
+                <a:srgbClr val="FFFF00"/>
+              </a:highlight>
+            </a:endParaRPr>
+          </a:p>
+        </p:txBody>
+      </p:sp>
+    </p:spTree>
+    <p:extLst>
+      <p:ext uri="{BB962C8B-B14F-4D97-AF65-F5344CB8AC3E}">
+        <p14:creationId xmlns:p14="http://schemas.microsoft.com/office/powerpoint/2010/main" val="4014951041"/>
       </p:ext>
     </p:extLst>
   </p:cSld>
@@ -3829,6 +4967,591 @@
     <p:extLst>
       <p:ext uri="{BB962C8B-B14F-4D97-AF65-F5344CB8AC3E}">
         <p14:creationId xmlns:p14="http://schemas.microsoft.com/office/powerpoint/2010/main" val="1737774000"/>
+      </p:ext>
+    </p:extLst>
+  </p:cSld>
+  <p:clrMapOvr>
+    <a:masterClrMapping/>
+  </p:clrMapOvr>
+</p:sld>
+</file>
+
+<file path=ppt/slides/slide20.xml><?xml version="1.0" encoding="utf-8"?>
+<p:sld xmlns:a="http://schemas.openxmlformats.org/drawingml/2006/main" xmlns:r="http://schemas.openxmlformats.org/officeDocument/2006/relationships" xmlns:p="http://schemas.openxmlformats.org/presentationml/2006/main">
+  <p:cSld>
+    <p:spTree>
+      <p:nvGrpSpPr>
+        <p:cNvPr id="1" name=""/>
+        <p:cNvGrpSpPr/>
+        <p:nvPr/>
+      </p:nvGrpSpPr>
+      <p:grpSpPr>
+        <a:xfrm>
+          <a:off x="0" y="0"/>
+          <a:ext cx="0" cy="0"/>
+          <a:chOff x="0" y="0"/>
+          <a:chExt cx="0" cy="0"/>
+        </a:xfrm>
+      </p:grpSpPr>
+      <p:pic>
+        <p:nvPicPr>
+          <p:cNvPr id="3" name="Picture 2">
+            <a:extLst>
+              <a:ext uri="{FF2B5EF4-FFF2-40B4-BE49-F238E27FC236}">
+                <a16:creationId xmlns:a16="http://schemas.microsoft.com/office/drawing/2014/main" id="{6937B18B-94A2-1386-66F9-CF5AA4F6E9C9}"/>
+              </a:ext>
+            </a:extLst>
+          </p:cNvPr>
+          <p:cNvPicPr>
+            <a:picLocks noChangeAspect="1"/>
+          </p:cNvPicPr>
+          <p:nvPr/>
+        </p:nvPicPr>
+        <p:blipFill>
+          <a:blip r:embed="rId2">
+            <a:extLst>
+              <a:ext uri="{28A0092B-C50C-407E-A947-70E740481C1C}">
+                <a14:useLocalDpi xmlns:a14="http://schemas.microsoft.com/office/drawing/2010/main" val="0"/>
+              </a:ext>
+            </a:extLst>
+          </a:blip>
+          <a:stretch>
+            <a:fillRect/>
+          </a:stretch>
+        </p:blipFill>
+        <p:spPr>
+          <a:xfrm>
+            <a:off x="-108155" y="-1"/>
+            <a:ext cx="12300155" cy="8032955"/>
+          </a:xfrm>
+          <a:prstGeom prst="rect">
+            <a:avLst/>
+          </a:prstGeom>
+        </p:spPr>
+      </p:pic>
+      <p:sp>
+        <p:nvSpPr>
+          <p:cNvPr id="4" name="TextBox 3">
+            <a:extLst>
+              <a:ext uri="{FF2B5EF4-FFF2-40B4-BE49-F238E27FC236}">
+                <a16:creationId xmlns:a16="http://schemas.microsoft.com/office/drawing/2014/main" id="{45B8186F-CEB2-AD0A-CD20-2B6E045AA235}"/>
+              </a:ext>
+            </a:extLst>
+          </p:cNvPr>
+          <p:cNvSpPr txBox="1"/>
+          <p:nvPr/>
+        </p:nvSpPr>
+        <p:spPr>
+          <a:xfrm>
+            <a:off x="2841954" y="1750142"/>
+            <a:ext cx="6508091" cy="3914085"/>
+          </a:xfrm>
+          <a:prstGeom prst="rect">
+            <a:avLst/>
+          </a:prstGeom>
+          <a:noFill/>
+        </p:spPr>
+        <p:txBody>
+          <a:bodyPr wrap="square" rtlCol="0">
+            <a:spAutoFit/>
+          </a:bodyPr>
+          <a:lstStyle/>
+          <a:p>
+            <a:pPr marR="550545" algn="ctr">
+              <a:lnSpc>
+                <a:spcPct val="107000"/>
+              </a:lnSpc>
+              <a:spcAft>
+                <a:spcPts val="800"/>
+              </a:spcAft>
+            </a:pPr>
+            <a:r>
+              <a:rPr lang="en-IN" sz="2400" b="1" kern="100" dirty="0">
+                <a:solidFill>
+                  <a:schemeClr val="bg1"/>
+                </a:solidFill>
+                <a:effectLst/>
+                <a:highlight>
+                  <a:srgbClr val="FFFF00"/>
+                </a:highlight>
+                <a:latin typeface="Times New Roman" panose="02020603050405020304" pitchFamily="18" charset="0"/>
+                <a:ea typeface="Calibri" panose="020F0502020204030204" pitchFamily="34" charset="0"/>
+                <a:cs typeface="Times New Roman" panose="02020603050405020304" pitchFamily="18" charset="0"/>
+              </a:rPr>
+              <a:t>Cryptographic Hash Functions</a:t>
+            </a:r>
+            <a:endParaRPr lang="en-IN" sz="2400" kern="100" dirty="0">
+              <a:solidFill>
+                <a:schemeClr val="bg1"/>
+              </a:solidFill>
+              <a:effectLst/>
+              <a:highlight>
+                <a:srgbClr val="FFFF00"/>
+              </a:highlight>
+              <a:latin typeface="Calibri" panose="020F0502020204030204" pitchFamily="34" charset="0"/>
+              <a:ea typeface="Calibri" panose="020F0502020204030204" pitchFamily="34" charset="0"/>
+              <a:cs typeface="Times New Roman" panose="02020603050405020304" pitchFamily="18" charset="0"/>
+            </a:endParaRPr>
+          </a:p>
+          <a:p>
+            <a:pPr algn="ctr"/>
+            <a:r>
+              <a:rPr lang="en-IN" sz="2400" dirty="0">
+                <a:solidFill>
+                  <a:schemeClr val="bg1"/>
+                </a:solidFill>
+                <a:effectLst/>
+                <a:highlight>
+                  <a:srgbClr val="FFFF00"/>
+                </a:highlight>
+                <a:latin typeface="Times New Roman" panose="02020603050405020304" pitchFamily="18" charset="0"/>
+                <a:ea typeface="Calibri" panose="020F0502020204030204" pitchFamily="34" charset="0"/>
+              </a:rPr>
+              <a:t>A cryptographic hash function is an algorithm that transforms input data of any size into a fixed-size string of </a:t>
+            </a:r>
+            <a:r>
+              <a:rPr lang="en-IN" sz="2400" dirty="0">
+                <a:solidFill>
+                  <a:schemeClr val="bg1"/>
+                </a:solidFill>
+                <a:highlight>
+                  <a:srgbClr val="FFFF00"/>
+                </a:highlight>
+                <a:latin typeface="Times New Roman" panose="02020603050405020304" pitchFamily="18" charset="0"/>
+                <a:ea typeface="Calibri" panose="020F0502020204030204" pitchFamily="34" charset="0"/>
+              </a:rPr>
+              <a:t>characters</a:t>
+            </a:r>
+            <a:r>
+              <a:rPr lang="en-IN" sz="2400" dirty="0">
+                <a:solidFill>
+                  <a:schemeClr val="bg1"/>
+                </a:solidFill>
+                <a:effectLst/>
+                <a:highlight>
+                  <a:srgbClr val="FFFF00"/>
+                </a:highlight>
+                <a:latin typeface="Times New Roman" panose="02020603050405020304" pitchFamily="18" charset="0"/>
+                <a:ea typeface="Calibri" panose="020F0502020204030204" pitchFamily="34" charset="0"/>
+              </a:rPr>
+              <a:t>, typically a hexadecimal number. This output, known as a hash, is unique to each unique input; even a minor change in the input data results in a significantly different hash. This property is crucial for verifying data integrity, as any alteration in the original data will produce a different hash, </a:t>
+            </a:r>
+            <a:r>
+              <a:rPr lang="en-IN" sz="2400" dirty="0" err="1">
+                <a:solidFill>
+                  <a:schemeClr val="bg1"/>
+                </a:solidFill>
+                <a:effectLst/>
+                <a:highlight>
+                  <a:srgbClr val="FFFF00"/>
+                </a:highlight>
+                <a:latin typeface="Times New Roman" panose="02020603050405020304" pitchFamily="18" charset="0"/>
+                <a:ea typeface="Calibri" panose="020F0502020204030204" pitchFamily="34" charset="0"/>
+              </a:rPr>
+              <a:t>signaling</a:t>
+            </a:r>
+            <a:r>
+              <a:rPr lang="en-IN" sz="2400" dirty="0">
+                <a:solidFill>
+                  <a:schemeClr val="bg1"/>
+                </a:solidFill>
+                <a:effectLst/>
+                <a:highlight>
+                  <a:srgbClr val="FFFF00"/>
+                </a:highlight>
+                <a:latin typeface="Times New Roman" panose="02020603050405020304" pitchFamily="18" charset="0"/>
+                <a:ea typeface="Calibri" panose="020F0502020204030204" pitchFamily="34" charset="0"/>
+              </a:rPr>
+              <a:t> tampering.</a:t>
+            </a:r>
+            <a:endParaRPr lang="en-IN" sz="2400" dirty="0">
+              <a:solidFill>
+                <a:schemeClr val="bg1"/>
+              </a:solidFill>
+              <a:highlight>
+                <a:srgbClr val="FFFF00"/>
+              </a:highlight>
+            </a:endParaRPr>
+          </a:p>
+        </p:txBody>
+      </p:sp>
+    </p:spTree>
+    <p:extLst>
+      <p:ext uri="{BB962C8B-B14F-4D97-AF65-F5344CB8AC3E}">
+        <p14:creationId xmlns:p14="http://schemas.microsoft.com/office/powerpoint/2010/main" val="2639872128"/>
+      </p:ext>
+    </p:extLst>
+  </p:cSld>
+  <p:clrMapOvr>
+    <a:masterClrMapping/>
+  </p:clrMapOvr>
+</p:sld>
+</file>
+
+<file path=ppt/slides/slide21.xml><?xml version="1.0" encoding="utf-8"?>
+<p:sld xmlns:a="http://schemas.openxmlformats.org/drawingml/2006/main" xmlns:r="http://schemas.openxmlformats.org/officeDocument/2006/relationships" xmlns:p="http://schemas.openxmlformats.org/presentationml/2006/main">
+  <p:cSld>
+    <p:spTree>
+      <p:nvGrpSpPr>
+        <p:cNvPr id="1" name=""/>
+        <p:cNvGrpSpPr/>
+        <p:nvPr/>
+      </p:nvGrpSpPr>
+      <p:grpSpPr>
+        <a:xfrm>
+          <a:off x="0" y="0"/>
+          <a:ext cx="0" cy="0"/>
+          <a:chOff x="0" y="0"/>
+          <a:chExt cx="0" cy="0"/>
+        </a:xfrm>
+      </p:grpSpPr>
+      <p:pic>
+        <p:nvPicPr>
+          <p:cNvPr id="7" name="Picture 6">
+            <a:extLst>
+              <a:ext uri="{FF2B5EF4-FFF2-40B4-BE49-F238E27FC236}">
+                <a16:creationId xmlns:a16="http://schemas.microsoft.com/office/drawing/2014/main" id="{B03CFBE2-BA72-886C-1A88-52D4DAE5B188}"/>
+              </a:ext>
+            </a:extLst>
+          </p:cNvPr>
+          <p:cNvPicPr>
+            <a:picLocks noChangeAspect="1"/>
+          </p:cNvPicPr>
+          <p:nvPr/>
+        </p:nvPicPr>
+        <p:blipFill>
+          <a:blip r:embed="rId2">
+            <a:extLst>
+              <a:ext uri="{28A0092B-C50C-407E-A947-70E740481C1C}">
+                <a14:useLocalDpi xmlns:a14="http://schemas.microsoft.com/office/drawing/2010/main" val="0"/>
+              </a:ext>
+            </a:extLst>
+          </a:blip>
+          <a:stretch>
+            <a:fillRect/>
+          </a:stretch>
+        </p:blipFill>
+        <p:spPr>
+          <a:xfrm>
+            <a:off x="0" y="0"/>
+            <a:ext cx="12192000" cy="6857999"/>
+          </a:xfrm>
+          <a:prstGeom prst="rect">
+            <a:avLst/>
+          </a:prstGeom>
+        </p:spPr>
+      </p:pic>
+      <p:sp>
+        <p:nvSpPr>
+          <p:cNvPr id="8" name="TextBox 7">
+            <a:extLst>
+              <a:ext uri="{FF2B5EF4-FFF2-40B4-BE49-F238E27FC236}">
+                <a16:creationId xmlns:a16="http://schemas.microsoft.com/office/drawing/2014/main" id="{3B2D07A3-EA9F-CA79-C4DF-826524B4C7C5}"/>
+              </a:ext>
+            </a:extLst>
+          </p:cNvPr>
+          <p:cNvSpPr txBox="1"/>
+          <p:nvPr/>
+        </p:nvSpPr>
+        <p:spPr>
+          <a:xfrm>
+            <a:off x="314633" y="1002891"/>
+            <a:ext cx="7387915" cy="5483937"/>
+          </a:xfrm>
+          <a:prstGeom prst="rect">
+            <a:avLst/>
+          </a:prstGeom>
+          <a:noFill/>
+        </p:spPr>
+        <p:txBody>
+          <a:bodyPr wrap="square" rtlCol="0">
+            <a:spAutoFit/>
+          </a:bodyPr>
+          <a:lstStyle/>
+          <a:p>
+            <a:pPr marR="550545">
+              <a:lnSpc>
+                <a:spcPct val="107000"/>
+              </a:lnSpc>
+              <a:spcAft>
+                <a:spcPts val="800"/>
+              </a:spcAft>
+            </a:pPr>
+            <a:r>
+              <a:rPr lang="en-IN" sz="2400" b="1" kern="100" dirty="0">
+                <a:solidFill>
+                  <a:schemeClr val="bg1"/>
+                </a:solidFill>
+                <a:effectLst/>
+                <a:highlight>
+                  <a:srgbClr val="FFFF00"/>
+                </a:highlight>
+                <a:latin typeface="Times New Roman" panose="02020603050405020304" pitchFamily="18" charset="0"/>
+                <a:ea typeface="Calibri" panose="020F0502020204030204" pitchFamily="34" charset="0"/>
+                <a:cs typeface="Times New Roman" panose="02020603050405020304" pitchFamily="18" charset="0"/>
+              </a:rPr>
+              <a:t>Common Hash Functions in Blockchain</a:t>
+            </a:r>
+            <a:endParaRPr lang="en-IN" sz="2400" kern="100" dirty="0">
+              <a:solidFill>
+                <a:schemeClr val="bg1"/>
+              </a:solidFill>
+              <a:effectLst/>
+              <a:highlight>
+                <a:srgbClr val="FFFF00"/>
+              </a:highlight>
+              <a:latin typeface="Calibri" panose="020F0502020204030204" pitchFamily="34" charset="0"/>
+              <a:ea typeface="Calibri" panose="020F0502020204030204" pitchFamily="34" charset="0"/>
+              <a:cs typeface="Times New Roman" panose="02020603050405020304" pitchFamily="18" charset="0"/>
+            </a:endParaRPr>
+          </a:p>
+          <a:p>
+            <a:pPr marR="550545">
+              <a:lnSpc>
+                <a:spcPct val="107000"/>
+              </a:lnSpc>
+              <a:spcAft>
+                <a:spcPts val="800"/>
+              </a:spcAft>
+            </a:pPr>
+            <a:r>
+              <a:rPr lang="en-IN" sz="2400" kern="100" dirty="0">
+                <a:solidFill>
+                  <a:schemeClr val="bg1"/>
+                </a:solidFill>
+                <a:effectLst/>
+                <a:highlight>
+                  <a:srgbClr val="FFFF00"/>
+                </a:highlight>
+                <a:latin typeface="Times New Roman" panose="02020603050405020304" pitchFamily="18" charset="0"/>
+                <a:ea typeface="Calibri" panose="020F0502020204030204" pitchFamily="34" charset="0"/>
+                <a:cs typeface="Times New Roman" panose="02020603050405020304" pitchFamily="18" charset="0"/>
+              </a:rPr>
+              <a:t>Several cryptographic hash functions are utilized in blockchain technology:</a:t>
+            </a:r>
+            <a:endParaRPr lang="en-IN" sz="2400" kern="100" dirty="0">
+              <a:solidFill>
+                <a:schemeClr val="bg1"/>
+              </a:solidFill>
+              <a:effectLst/>
+              <a:highlight>
+                <a:srgbClr val="FFFF00"/>
+              </a:highlight>
+              <a:latin typeface="Calibri" panose="020F0502020204030204" pitchFamily="34" charset="0"/>
+              <a:ea typeface="Calibri" panose="020F0502020204030204" pitchFamily="34" charset="0"/>
+              <a:cs typeface="Times New Roman" panose="02020603050405020304" pitchFamily="18" charset="0"/>
+            </a:endParaRPr>
+          </a:p>
+          <a:p>
+            <a:pPr marL="342900" marR="550545" lvl="0" indent="-342900">
+              <a:lnSpc>
+                <a:spcPct val="115000"/>
+              </a:lnSpc>
+              <a:spcAft>
+                <a:spcPts val="800"/>
+              </a:spcAft>
+              <a:buSzPts val="1000"/>
+              <a:buFont typeface="Symbol" panose="05050102010706020507" pitchFamily="18" charset="2"/>
+              <a:buChar char=""/>
+              <a:tabLst>
+                <a:tab pos="457200" algn="l"/>
+              </a:tabLst>
+            </a:pPr>
+            <a:r>
+              <a:rPr lang="en-IN" sz="2400" b="1" kern="100" dirty="0">
+                <a:solidFill>
+                  <a:schemeClr val="bg1"/>
+                </a:solidFill>
+                <a:effectLst/>
+                <a:highlight>
+                  <a:srgbClr val="FFFF00"/>
+                </a:highlight>
+                <a:latin typeface="Times New Roman" panose="02020603050405020304" pitchFamily="18" charset="0"/>
+                <a:ea typeface="Calibri" panose="020F0502020204030204" pitchFamily="34" charset="0"/>
+                <a:cs typeface="Times New Roman" panose="02020603050405020304" pitchFamily="18" charset="0"/>
+              </a:rPr>
+              <a:t>SHA-256</a:t>
+            </a:r>
+            <a:r>
+              <a:rPr lang="en-IN" sz="2400" kern="100" dirty="0">
+                <a:solidFill>
+                  <a:schemeClr val="bg1"/>
+                </a:solidFill>
+                <a:effectLst/>
+                <a:highlight>
+                  <a:srgbClr val="FFFF00"/>
+                </a:highlight>
+                <a:latin typeface="Times New Roman" panose="02020603050405020304" pitchFamily="18" charset="0"/>
+                <a:ea typeface="Calibri" panose="020F0502020204030204" pitchFamily="34" charset="0"/>
+                <a:cs typeface="Times New Roman" panose="02020603050405020304" pitchFamily="18" charset="0"/>
+              </a:rPr>
+              <a:t>: Used extensively in Bitcoin and other cryptocurrencies, SHA-256 produces a 256-bit hash value and is known for its security and reliability. </a:t>
+            </a:r>
+            <a:endParaRPr lang="en-IN" sz="2400" kern="100" dirty="0">
+              <a:solidFill>
+                <a:schemeClr val="bg1"/>
+              </a:solidFill>
+              <a:effectLst/>
+              <a:highlight>
+                <a:srgbClr val="FFFF00"/>
+              </a:highlight>
+              <a:latin typeface="Calibri" panose="020F0502020204030204" pitchFamily="34" charset="0"/>
+              <a:ea typeface="Calibri" panose="020F0502020204030204" pitchFamily="34" charset="0"/>
+              <a:cs typeface="Times New Roman" panose="02020603050405020304" pitchFamily="18" charset="0"/>
+            </a:endParaRPr>
+          </a:p>
+          <a:p>
+            <a:pPr marL="342900" marR="550545" lvl="0" indent="-342900">
+              <a:lnSpc>
+                <a:spcPct val="115000"/>
+              </a:lnSpc>
+              <a:spcAft>
+                <a:spcPts val="800"/>
+              </a:spcAft>
+              <a:buSzPts val="1000"/>
+              <a:buFont typeface="Symbol" panose="05050102010706020507" pitchFamily="18" charset="2"/>
+              <a:buChar char=""/>
+              <a:tabLst>
+                <a:tab pos="457200" algn="l"/>
+              </a:tabLst>
+            </a:pPr>
+            <a:r>
+              <a:rPr lang="en-IN" sz="2400" b="1" kern="100" dirty="0">
+                <a:solidFill>
+                  <a:schemeClr val="bg1"/>
+                </a:solidFill>
+                <a:effectLst/>
+                <a:highlight>
+                  <a:srgbClr val="FFFF00"/>
+                </a:highlight>
+                <a:latin typeface="Times New Roman" panose="02020603050405020304" pitchFamily="18" charset="0"/>
+                <a:ea typeface="Calibri" panose="020F0502020204030204" pitchFamily="34" charset="0"/>
+                <a:cs typeface="Times New Roman" panose="02020603050405020304" pitchFamily="18" charset="0"/>
+              </a:rPr>
+              <a:t>SHA-3</a:t>
+            </a:r>
+            <a:r>
+              <a:rPr lang="en-IN" sz="2400" kern="100" dirty="0">
+                <a:solidFill>
+                  <a:schemeClr val="bg1"/>
+                </a:solidFill>
+                <a:effectLst/>
+                <a:highlight>
+                  <a:srgbClr val="FFFF00"/>
+                </a:highlight>
+                <a:latin typeface="Times New Roman" panose="02020603050405020304" pitchFamily="18" charset="0"/>
+                <a:ea typeface="Calibri" panose="020F0502020204030204" pitchFamily="34" charset="0"/>
+                <a:cs typeface="Times New Roman" panose="02020603050405020304" pitchFamily="18" charset="0"/>
+              </a:rPr>
+              <a:t>: The latest member of the Secure Hash Algorithm family, offering enhanced security features.</a:t>
+            </a:r>
+            <a:endParaRPr lang="en-IN" sz="2400" kern="100" dirty="0">
+              <a:solidFill>
+                <a:schemeClr val="bg1"/>
+              </a:solidFill>
+              <a:effectLst/>
+              <a:highlight>
+                <a:srgbClr val="FFFF00"/>
+              </a:highlight>
+              <a:latin typeface="Calibri" panose="020F0502020204030204" pitchFamily="34" charset="0"/>
+              <a:ea typeface="Calibri" panose="020F0502020204030204" pitchFamily="34" charset="0"/>
+              <a:cs typeface="Times New Roman" panose="02020603050405020304" pitchFamily="18" charset="0"/>
+            </a:endParaRPr>
+          </a:p>
+          <a:p>
+            <a:pPr marL="342900" marR="550545" lvl="0" indent="-342900">
+              <a:lnSpc>
+                <a:spcPct val="115000"/>
+              </a:lnSpc>
+              <a:spcAft>
+                <a:spcPts val="800"/>
+              </a:spcAft>
+              <a:buSzPts val="1000"/>
+              <a:buFont typeface="Symbol" panose="05050102010706020507" pitchFamily="18" charset="2"/>
+              <a:buChar char=""/>
+              <a:tabLst>
+                <a:tab pos="457200" algn="l"/>
+              </a:tabLst>
+            </a:pPr>
+            <a:r>
+              <a:rPr lang="en-IN" sz="2400" b="1" kern="100" dirty="0">
+                <a:solidFill>
+                  <a:schemeClr val="bg1"/>
+                </a:solidFill>
+                <a:effectLst/>
+                <a:highlight>
+                  <a:srgbClr val="FFFF00"/>
+                </a:highlight>
+                <a:latin typeface="Times New Roman" panose="02020603050405020304" pitchFamily="18" charset="0"/>
+                <a:ea typeface="Calibri" panose="020F0502020204030204" pitchFamily="34" charset="0"/>
+                <a:cs typeface="Times New Roman" panose="02020603050405020304" pitchFamily="18" charset="0"/>
+              </a:rPr>
+              <a:t>Blake3</a:t>
+            </a:r>
+            <a:r>
+              <a:rPr lang="en-IN" sz="2400" kern="100" dirty="0">
+                <a:solidFill>
+                  <a:schemeClr val="bg1"/>
+                </a:solidFill>
+                <a:effectLst/>
+                <a:highlight>
+                  <a:srgbClr val="FFFF00"/>
+                </a:highlight>
+                <a:latin typeface="Times New Roman" panose="02020603050405020304" pitchFamily="18" charset="0"/>
+                <a:ea typeface="Calibri" panose="020F0502020204030204" pitchFamily="34" charset="0"/>
+                <a:cs typeface="Times New Roman" panose="02020603050405020304" pitchFamily="18" charset="0"/>
+              </a:rPr>
+              <a:t>: Known for its speed and security, Blake3 is gaining attention for its efficient performance.</a:t>
+            </a:r>
+            <a:endParaRPr lang="en-IN" sz="2400" kern="100" dirty="0">
+              <a:solidFill>
+                <a:schemeClr val="bg1"/>
+              </a:solidFill>
+              <a:effectLst/>
+              <a:highlight>
+                <a:srgbClr val="FFFF00"/>
+              </a:highlight>
+              <a:latin typeface="Calibri" panose="020F0502020204030204" pitchFamily="34" charset="0"/>
+              <a:ea typeface="Calibri" panose="020F0502020204030204" pitchFamily="34" charset="0"/>
+              <a:cs typeface="Times New Roman" panose="02020603050405020304" pitchFamily="18" charset="0"/>
+            </a:endParaRPr>
+          </a:p>
+        </p:txBody>
+      </p:sp>
+    </p:spTree>
+    <p:extLst>
+      <p:ext uri="{BB962C8B-B14F-4D97-AF65-F5344CB8AC3E}">
+        <p14:creationId xmlns:p14="http://schemas.microsoft.com/office/powerpoint/2010/main" val="1868154806"/>
+      </p:ext>
+    </p:extLst>
+  </p:cSld>
+  <p:clrMapOvr>
+    <a:masterClrMapping/>
+  </p:clrMapOvr>
+</p:sld>
+</file>
+
+<file path=ppt/slides/slide22.xml><?xml version="1.0" encoding="utf-8"?>
+<p:sld xmlns:a="http://schemas.openxmlformats.org/drawingml/2006/main" xmlns:r="http://schemas.openxmlformats.org/officeDocument/2006/relationships" xmlns:p="http://schemas.openxmlformats.org/presentationml/2006/main">
+  <p:cSld>
+    <p:spTree>
+      <p:nvGrpSpPr>
+        <p:cNvPr id="1" name=""/>
+        <p:cNvGrpSpPr/>
+        <p:nvPr/>
+      </p:nvGrpSpPr>
+      <p:grpSpPr>
+        <a:xfrm>
+          <a:off x="0" y="0"/>
+          <a:ext cx="0" cy="0"/>
+          <a:chOff x="0" y="0"/>
+          <a:chExt cx="0" cy="0"/>
+        </a:xfrm>
+      </p:grpSpPr>
+    </p:spTree>
+    <p:extLst>
+      <p:ext uri="{BB962C8B-B14F-4D97-AF65-F5344CB8AC3E}">
+        <p14:creationId xmlns:p14="http://schemas.microsoft.com/office/powerpoint/2010/main" val="340863527"/>
       </p:ext>
     </p:extLst>
   </p:cSld>
